--- a/Final/Output/Final presentation _v2.pptx
+++ b/Final/Output/Final presentation _v2.pptx
@@ -2256,18 +2256,46 @@
         </dgm:presLayoutVars>
       </dgm:prSet>
       <dgm:spPr/>
+      <dgm:t>
+        <a:bodyPr/>
+        <a:lstStyle/>
+        <a:p>
+          <a:endParaRPr lang="zh-CN" altLang="en-US"/>
+        </a:p>
+      </dgm:t>
     </dgm:pt>
     <dgm:pt modelId="{D4677ED1-F053-4BDF-AF10-5542ACEA1CC9}" type="pres">
       <dgm:prSet presAssocID="{A8ED4D77-A420-4F07-957E-9DD3CCFAFF6C}" presName="centerShape" presStyleLbl="node0" presStyleIdx="0" presStyleCnt="1" custScaleX="167734" custScaleY="139056"/>
       <dgm:spPr/>
+      <dgm:t>
+        <a:bodyPr/>
+        <a:lstStyle/>
+        <a:p>
+          <a:endParaRPr lang="zh-CN" altLang="en-US"/>
+        </a:p>
+      </dgm:t>
     </dgm:pt>
     <dgm:pt modelId="{59DD17D9-857D-462B-8612-C608B5D1EE42}" type="pres">
       <dgm:prSet presAssocID="{E7C461CD-283D-4B78-A52F-46B4E34980C3}" presName="parTrans" presStyleLbl="sibTrans2D1" presStyleIdx="0" presStyleCnt="4"/>
       <dgm:spPr/>
+      <dgm:t>
+        <a:bodyPr/>
+        <a:lstStyle/>
+        <a:p>
+          <a:endParaRPr lang="zh-CN" altLang="en-US"/>
+        </a:p>
+      </dgm:t>
     </dgm:pt>
     <dgm:pt modelId="{7AEDD39E-0C13-408E-B592-AA14A806B52B}" type="pres">
       <dgm:prSet presAssocID="{E7C461CD-283D-4B78-A52F-46B4E34980C3}" presName="connectorText" presStyleLbl="sibTrans2D1" presStyleIdx="0" presStyleCnt="4"/>
       <dgm:spPr/>
+      <dgm:t>
+        <a:bodyPr/>
+        <a:lstStyle/>
+        <a:p>
+          <a:endParaRPr lang="zh-CN" altLang="en-US"/>
+        </a:p>
+      </dgm:t>
     </dgm:pt>
     <dgm:pt modelId="{448571AA-7393-437A-B226-02CEF0815AD4}" type="pres">
       <dgm:prSet presAssocID="{34D2629B-B622-4499-BFEC-EAC7D21C42A8}" presName="node" presStyleLbl="node1" presStyleIdx="0" presStyleCnt="4" custScaleX="124406" custScaleY="109029">
@@ -2287,10 +2315,24 @@
     <dgm:pt modelId="{C945521D-6364-409A-B4F6-8C2C33CCB4F0}" type="pres">
       <dgm:prSet presAssocID="{91B8E5FB-FCDB-4B27-AFA3-CDCD727C130A}" presName="parTrans" presStyleLbl="sibTrans2D1" presStyleIdx="1" presStyleCnt="4"/>
       <dgm:spPr/>
+      <dgm:t>
+        <a:bodyPr/>
+        <a:lstStyle/>
+        <a:p>
+          <a:endParaRPr lang="zh-CN" altLang="en-US"/>
+        </a:p>
+      </dgm:t>
     </dgm:pt>
     <dgm:pt modelId="{46437BF7-B41E-4C1D-91A7-BF784557CFC0}" type="pres">
       <dgm:prSet presAssocID="{91B8E5FB-FCDB-4B27-AFA3-CDCD727C130A}" presName="connectorText" presStyleLbl="sibTrans2D1" presStyleIdx="1" presStyleCnt="4"/>
       <dgm:spPr/>
+      <dgm:t>
+        <a:bodyPr/>
+        <a:lstStyle/>
+        <a:p>
+          <a:endParaRPr lang="zh-CN" altLang="en-US"/>
+        </a:p>
+      </dgm:t>
     </dgm:pt>
     <dgm:pt modelId="{C5AEF914-0178-4F88-B2CC-4309C7E45E61}" type="pres">
       <dgm:prSet presAssocID="{C1AC7AE0-7E86-4C3C-A8BF-F160E4533660}" presName="node" presStyleLbl="node1" presStyleIdx="1" presStyleCnt="4" custScaleX="104738" custScaleY="99875">
@@ -2310,10 +2352,24 @@
     <dgm:pt modelId="{500A322F-4C05-4256-A72A-1032FFC7CE2B}" type="pres">
       <dgm:prSet presAssocID="{801BF64A-1640-4895-A77D-4BC9D4FF9077}" presName="parTrans" presStyleLbl="sibTrans2D1" presStyleIdx="2" presStyleCnt="4"/>
       <dgm:spPr/>
+      <dgm:t>
+        <a:bodyPr/>
+        <a:lstStyle/>
+        <a:p>
+          <a:endParaRPr lang="zh-CN" altLang="en-US"/>
+        </a:p>
+      </dgm:t>
     </dgm:pt>
     <dgm:pt modelId="{08EA510C-5B66-4644-979F-58E2B21AB448}" type="pres">
       <dgm:prSet presAssocID="{801BF64A-1640-4895-A77D-4BC9D4FF9077}" presName="connectorText" presStyleLbl="sibTrans2D1" presStyleIdx="2" presStyleCnt="4"/>
       <dgm:spPr/>
+      <dgm:t>
+        <a:bodyPr/>
+        <a:lstStyle/>
+        <a:p>
+          <a:endParaRPr lang="zh-CN" altLang="en-US"/>
+        </a:p>
+      </dgm:t>
     </dgm:pt>
     <dgm:pt modelId="{18A2AA5A-4995-447D-A309-795DF2550D26}" type="pres">
       <dgm:prSet presAssocID="{6B47E78A-D59D-4621-95CF-2DA8A9B71D40}" presName="node" presStyleLbl="node1" presStyleIdx="2" presStyleCnt="4">
@@ -2333,10 +2389,24 @@
     <dgm:pt modelId="{0702643B-5380-4235-8255-ECAF5C5267C5}" type="pres">
       <dgm:prSet presAssocID="{14D51C43-C3E5-4218-BD1B-D9FC8D95F855}" presName="parTrans" presStyleLbl="sibTrans2D1" presStyleIdx="3" presStyleCnt="4"/>
       <dgm:spPr/>
+      <dgm:t>
+        <a:bodyPr/>
+        <a:lstStyle/>
+        <a:p>
+          <a:endParaRPr lang="zh-CN" altLang="en-US"/>
+        </a:p>
+      </dgm:t>
     </dgm:pt>
     <dgm:pt modelId="{24B6D302-09DC-45B4-9915-75D6F949C7C9}" type="pres">
       <dgm:prSet presAssocID="{14D51C43-C3E5-4218-BD1B-D9FC8D95F855}" presName="connectorText" presStyleLbl="sibTrans2D1" presStyleIdx="3" presStyleCnt="4"/>
       <dgm:spPr/>
+      <dgm:t>
+        <a:bodyPr/>
+        <a:lstStyle/>
+        <a:p>
+          <a:endParaRPr lang="zh-CN" altLang="en-US"/>
+        </a:p>
+      </dgm:t>
     </dgm:pt>
     <dgm:pt modelId="{2E270DD0-A513-4875-AFCE-15AF50F14021}" type="pres">
       <dgm:prSet presAssocID="{C5A8ED0C-6185-4FCE-9CEC-67A3D4DA87DA}" presName="node" presStyleLbl="node1" presStyleIdx="3" presStyleCnt="4">
@@ -2357,18 +2427,18 @@
   <dgm:cxnLst>
     <dgm:cxn modelId="{1BCDF134-C8E8-4B1E-9159-26622385934C}" type="presOf" srcId="{C5A8ED0C-6185-4FCE-9CEC-67A3D4DA87DA}" destId="{2E270DD0-A513-4875-AFCE-15AF50F14021}" srcOrd="0" destOrd="0" presId="urn:microsoft.com/office/officeart/2005/8/layout/radial5"/>
     <dgm:cxn modelId="{8FCD64B7-5413-40EB-A9D2-6357F256E623}" type="presOf" srcId="{E7C461CD-283D-4B78-A52F-46B4E34980C3}" destId="{59DD17D9-857D-462B-8612-C608B5D1EE42}" srcOrd="0" destOrd="0" presId="urn:microsoft.com/office/officeart/2005/8/layout/radial5"/>
+    <dgm:cxn modelId="{443FA4F6-0A2B-4292-811B-53FFCE66DCF4}" type="presOf" srcId="{801BF64A-1640-4895-A77D-4BC9D4FF9077}" destId="{08EA510C-5B66-4644-979F-58E2B21AB448}" srcOrd="1" destOrd="0" presId="urn:microsoft.com/office/officeart/2005/8/layout/radial5"/>
     <dgm:cxn modelId="{560B3D30-34CB-4370-AE0B-42A53F11D0FF}" type="presOf" srcId="{A8ED4D77-A420-4F07-957E-9DD3CCFAFF6C}" destId="{D4677ED1-F053-4BDF-AF10-5542ACEA1CC9}" srcOrd="0" destOrd="0" presId="urn:microsoft.com/office/officeart/2005/8/layout/radial5"/>
-    <dgm:cxn modelId="{443FA4F6-0A2B-4292-811B-53FFCE66DCF4}" type="presOf" srcId="{801BF64A-1640-4895-A77D-4BC9D4FF9077}" destId="{08EA510C-5B66-4644-979F-58E2B21AB448}" srcOrd="1" destOrd="0" presId="urn:microsoft.com/office/officeart/2005/8/layout/radial5"/>
     <dgm:cxn modelId="{6932403A-D498-420B-9E6B-0FB078D5CF14}" type="presOf" srcId="{C1AC7AE0-7E86-4C3C-A8BF-F160E4533660}" destId="{C5AEF914-0178-4F88-B2CC-4309C7E45E61}" srcOrd="0" destOrd="0" presId="urn:microsoft.com/office/officeart/2005/8/layout/radial5"/>
     <dgm:cxn modelId="{9D4E897A-2C2E-41D0-A5B6-4C5E6CC48E6D}" type="presOf" srcId="{5E3A7ECA-2B66-436E-B583-D226ABCF045B}" destId="{A590EFD8-F19A-4E36-B9BE-E40D0CAE7417}" srcOrd="0" destOrd="0" presId="urn:microsoft.com/office/officeart/2005/8/layout/radial5"/>
+    <dgm:cxn modelId="{71F3CA39-82DE-4AEF-8229-120046B859C6}" type="presOf" srcId="{801BF64A-1640-4895-A77D-4BC9D4FF9077}" destId="{500A322F-4C05-4256-A72A-1032FFC7CE2B}" srcOrd="0" destOrd="0" presId="urn:microsoft.com/office/officeart/2005/8/layout/radial5"/>
     <dgm:cxn modelId="{D4D68B6C-1392-451A-89D8-04CA54EF58B3}" type="presOf" srcId="{14D51C43-C3E5-4218-BD1B-D9FC8D95F855}" destId="{24B6D302-09DC-45B4-9915-75D6F949C7C9}" srcOrd="1" destOrd="0" presId="urn:microsoft.com/office/officeart/2005/8/layout/radial5"/>
-    <dgm:cxn modelId="{71F3CA39-82DE-4AEF-8229-120046B859C6}" type="presOf" srcId="{801BF64A-1640-4895-A77D-4BC9D4FF9077}" destId="{500A322F-4C05-4256-A72A-1032FFC7CE2B}" srcOrd="0" destOrd="0" presId="urn:microsoft.com/office/officeart/2005/8/layout/radial5"/>
     <dgm:cxn modelId="{FBE75750-C91B-49D6-BD05-32311ADF24A2}" srcId="{A8ED4D77-A420-4F07-957E-9DD3CCFAFF6C}" destId="{6B47E78A-D59D-4621-95CF-2DA8A9B71D40}" srcOrd="2" destOrd="0" parTransId="{801BF64A-1640-4895-A77D-4BC9D4FF9077}" sibTransId="{E1DF7D09-AD54-431A-A3D9-9ABD343FC4D8}"/>
+    <dgm:cxn modelId="{6CE9B5EB-C642-47BF-A091-781B4C65BEC7}" type="presOf" srcId="{6B47E78A-D59D-4621-95CF-2DA8A9B71D40}" destId="{18A2AA5A-4995-447D-A309-795DF2550D26}" srcOrd="0" destOrd="0" presId="urn:microsoft.com/office/officeart/2005/8/layout/radial5"/>
     <dgm:cxn modelId="{727C27B1-1B4D-45DE-83D8-1DE960B9AF77}" srcId="{5E3A7ECA-2B66-436E-B583-D226ABCF045B}" destId="{A8ED4D77-A420-4F07-957E-9DD3CCFAFF6C}" srcOrd="0" destOrd="0" parTransId="{59A4565C-F90C-4AC3-8347-0593A0A0642F}" sibTransId="{FA1E85FC-1C4E-48DC-B737-12713BE9E752}"/>
-    <dgm:cxn modelId="{6CE9B5EB-C642-47BF-A091-781B4C65BEC7}" type="presOf" srcId="{6B47E78A-D59D-4621-95CF-2DA8A9B71D40}" destId="{18A2AA5A-4995-447D-A309-795DF2550D26}" srcOrd="0" destOrd="0" presId="urn:microsoft.com/office/officeart/2005/8/layout/radial5"/>
-    <dgm:cxn modelId="{81BCA3FA-59A2-4F16-8031-BAC763B568E2}" srcId="{A8ED4D77-A420-4F07-957E-9DD3CCFAFF6C}" destId="{C1AC7AE0-7E86-4C3C-A8BF-F160E4533660}" srcOrd="1" destOrd="0" parTransId="{91B8E5FB-FCDB-4B27-AFA3-CDCD727C130A}" sibTransId="{9D08B258-B8AD-418C-BAEA-2BC2EABF9A88}"/>
     <dgm:cxn modelId="{EE422CFE-2B9E-43E3-BDA7-D5D25D8F3237}" type="presOf" srcId="{91B8E5FB-FCDB-4B27-AFA3-CDCD727C130A}" destId="{46437BF7-B41E-4C1D-91A7-BF784557CFC0}" srcOrd="1" destOrd="0" presId="urn:microsoft.com/office/officeart/2005/8/layout/radial5"/>
     <dgm:cxn modelId="{560C0728-3C58-4F01-8B8A-B01A47E16940}" srcId="{A8ED4D77-A420-4F07-957E-9DD3CCFAFF6C}" destId="{C5A8ED0C-6185-4FCE-9CEC-67A3D4DA87DA}" srcOrd="3" destOrd="0" parTransId="{14D51C43-C3E5-4218-BD1B-D9FC8D95F855}" sibTransId="{75CF314B-A523-45D6-9D0C-7D4FF3DFB104}"/>
+    <dgm:cxn modelId="{81BCA3FA-59A2-4F16-8031-BAC763B568E2}" srcId="{A8ED4D77-A420-4F07-957E-9DD3CCFAFF6C}" destId="{C1AC7AE0-7E86-4C3C-A8BF-F160E4533660}" srcOrd="1" destOrd="0" parTransId="{91B8E5FB-FCDB-4B27-AFA3-CDCD727C130A}" sibTransId="{9D08B258-B8AD-418C-BAEA-2BC2EABF9A88}"/>
     <dgm:cxn modelId="{EB4D1C1A-533E-4B38-8ECA-FEF66154DC74}" type="presOf" srcId="{E7C461CD-283D-4B78-A52F-46B4E34980C3}" destId="{7AEDD39E-0C13-408E-B592-AA14A806B52B}" srcOrd="1" destOrd="0" presId="urn:microsoft.com/office/officeart/2005/8/layout/radial5"/>
     <dgm:cxn modelId="{2054E79D-8DAC-4A9B-AB22-0F7DEE721C32}" type="presOf" srcId="{14D51C43-C3E5-4218-BD1B-D9FC8D95F855}" destId="{0702643B-5380-4235-8255-ECAF5C5267C5}" srcOrd="0" destOrd="0" presId="urn:microsoft.com/office/officeart/2005/8/layout/radial5"/>
     <dgm:cxn modelId="{D6648AA0-77D1-4021-AC7E-04675485E8C8}" srcId="{A8ED4D77-A420-4F07-957E-9DD3CCFAFF6C}" destId="{34D2629B-B622-4499-BFEC-EAC7D21C42A8}" srcOrd="0" destOrd="0" parTransId="{E7C461CD-283D-4B78-A52F-46B4E34980C3}" sibTransId="{4814A68E-4AFF-452E-B096-10E9CEF695AB}"/>
@@ -2413,8 +2483,8 @@
       </dsp:nvSpPr>
       <dsp:spPr>
         <a:xfrm>
-          <a:off x="1621294" y="1495591"/>
-          <a:ext cx="2024580" cy="1678431"/>
+          <a:off x="1781332" y="1628267"/>
+          <a:ext cx="1704504" cy="1413079"/>
         </a:xfrm>
         <a:prstGeom prst="ellipse">
           <a:avLst/>
@@ -2480,8 +2550,8 @@
         </a:p>
       </dsp:txBody>
       <dsp:txXfrm>
-        <a:off x="1917787" y="1741392"/>
-        <a:ext cx="1431594" cy="1186829"/>
+        <a:off x="2030951" y="1835208"/>
+        <a:ext cx="1205266" cy="999197"/>
       </dsp:txXfrm>
     </dsp:sp>
     <dsp:sp modelId="{59DD17D9-857D-462B-8612-C608B5D1EE42}">
@@ -2491,8 +2561,8 @@
       </dsp:nvSpPr>
       <dsp:spPr>
         <a:xfrm rot="16200000">
-          <a:off x="2581058" y="1193284"/>
-          <a:ext cx="105052" cy="412345"/>
+          <a:off x="2545899" y="1261613"/>
+          <a:ext cx="175371" cy="412345"/>
         </a:xfrm>
         <a:prstGeom prst="rightArrow">
           <a:avLst>
@@ -2549,8 +2619,8 @@
         </a:p>
       </dsp:txBody>
       <dsp:txXfrm>
-        <a:off x="2596816" y="1291511"/>
-        <a:ext cx="73536" cy="247407"/>
+        <a:off x="2572205" y="1370388"/>
+        <a:ext cx="122760" cy="247407"/>
       </dsp:txXfrm>
     </dsp:sp>
     <dsp:sp modelId="{448571AA-7393-437A-B226-02CEF0815AD4}">
@@ -2638,8 +2708,8 @@
       </dsp:nvSpPr>
       <dsp:spPr>
         <a:xfrm>
-          <a:off x="3657129" y="2128634"/>
-          <a:ext cx="27114" cy="412345"/>
+          <a:off x="3532299" y="2128634"/>
+          <a:ext cx="111934" cy="412345"/>
         </a:xfrm>
         <a:prstGeom prst="rightArrow">
           <a:avLst>
@@ -2696,8 +2766,8 @@
         </a:p>
       </dsp:txBody>
       <dsp:txXfrm>
-        <a:off x="3657129" y="2211103"/>
-        <a:ext cx="18980" cy="247407"/>
+        <a:off x="3532299" y="2211103"/>
+        <a:ext cx="78354" cy="247407"/>
       </dsp:txXfrm>
     </dsp:sp>
     <dsp:sp modelId="{C5AEF914-0178-4F88-B2CC-4309C7E45E61}">
@@ -2789,8 +2859,8 @@
       </dsp:nvSpPr>
       <dsp:spPr>
         <a:xfrm rot="5400000">
-          <a:off x="2566549" y="3090537"/>
-          <a:ext cx="134070" cy="412345"/>
+          <a:off x="2531390" y="3022209"/>
+          <a:ext cx="204389" cy="412345"/>
         </a:xfrm>
         <a:prstGeom prst="rightArrow">
           <a:avLst>
@@ -2847,8 +2917,8 @@
         </a:p>
       </dsp:txBody>
       <dsp:txXfrm>
-        <a:off x="2586660" y="3152896"/>
-        <a:ext cx="93849" cy="247407"/>
+        <a:off x="2562049" y="3074020"/>
+        <a:ext cx="143072" cy="247407"/>
       </dsp:txXfrm>
     </dsp:sp>
     <dsp:sp modelId="{18A2AA5A-4995-447D-A309-795DF2550D26}">
@@ -2944,8 +3014,8 @@
       </dsp:nvSpPr>
       <dsp:spPr>
         <a:xfrm rot="10800000">
-          <a:off x="1561377" y="2128634"/>
-          <a:ext cx="42341" cy="412345"/>
+          <a:off x="1601386" y="2128634"/>
+          <a:ext cx="127161" cy="412345"/>
         </a:xfrm>
         <a:prstGeom prst="rightArrow">
           <a:avLst>
@@ -3002,8 +3072,8 @@
         </a:p>
       </dsp:txBody>
       <dsp:txXfrm rot="10800000">
-        <a:off x="1574079" y="2211103"/>
-        <a:ext cx="29639" cy="247407"/>
+        <a:off x="1639534" y="2211103"/>
+        <a:ext cx="89013" cy="247407"/>
       </dsp:txXfrm>
     </dsp:sp>
     <dsp:sp modelId="{2E270DD0-A513-4875-AFCE-15AF50F14021}">
@@ -4447,7 +4517,7 @@
           <a:p>
             <a:fld id="{88AADF98-9701-4EA1-8F70-C82927F8DA2F}" type="datetimeFigureOut">
               <a:rPr lang="zh-CN" altLang="en-US" smtClean="0"/>
-              <a:t>2019/4/30</a:t>
+              <a:t>2019/5/2</a:t>
             </a:fld>
             <a:endParaRPr lang="zh-CN" altLang="en-US"/>
           </a:p>
@@ -6046,6 +6116,90 @@
           <a:p>
             <a:fld id="{026A6F30-36D4-4004-9928-42C5ACC59592}" type="slidenum">
               <a:rPr lang="zh-CN" altLang="en-US" smtClean="0"/>
+              <a:t>24</a:t>
+            </a:fld>
+            <a:endParaRPr lang="zh-CN" altLang="en-US"/>
+          </a:p>
+        </p:txBody>
+      </p:sp>
+    </p:spTree>
+    <p:extLst>
+      <p:ext uri="{BB962C8B-B14F-4D97-AF65-F5344CB8AC3E}">
+        <p14:creationId xmlns:p14="http://schemas.microsoft.com/office/powerpoint/2010/main" val="3010123585"/>
+      </p:ext>
+    </p:extLst>
+  </p:cSld>
+  <p:clrMapOvr>
+    <a:masterClrMapping/>
+  </p:clrMapOvr>
+</p:notes>
+</file>
+
+<file path=ppt/notesSlides/notesSlide23.xml><?xml version="1.0" encoding="utf-8"?>
+<p:notes xmlns:a="http://schemas.openxmlformats.org/drawingml/2006/main" xmlns:r="http://schemas.openxmlformats.org/officeDocument/2006/relationships" xmlns:p="http://schemas.openxmlformats.org/presentationml/2006/main">
+  <p:cSld>
+    <p:spTree>
+      <p:nvGrpSpPr>
+        <p:cNvPr id="1" name=""/>
+        <p:cNvGrpSpPr/>
+        <p:nvPr/>
+      </p:nvGrpSpPr>
+      <p:grpSpPr>
+        <a:xfrm>
+          <a:off x="0" y="0"/>
+          <a:ext cx="0" cy="0"/>
+          <a:chOff x="0" y="0"/>
+          <a:chExt cx="0" cy="0"/>
+        </a:xfrm>
+      </p:grpSpPr>
+      <p:sp>
+        <p:nvSpPr>
+          <p:cNvPr id="2" name="幻灯片图像占位符 1"/>
+          <p:cNvSpPr>
+            <a:spLocks noGrp="1" noRot="1" noChangeAspect="1"/>
+          </p:cNvSpPr>
+          <p:nvPr>
+            <p:ph type="sldImg"/>
+          </p:nvPr>
+        </p:nvSpPr>
+        <p:spPr/>
+      </p:sp>
+      <p:sp>
+        <p:nvSpPr>
+          <p:cNvPr id="3" name="备注占位符 2"/>
+          <p:cNvSpPr>
+            <a:spLocks noGrp="1"/>
+          </p:cNvSpPr>
+          <p:nvPr>
+            <p:ph type="body" idx="1"/>
+          </p:nvPr>
+        </p:nvSpPr>
+        <p:spPr/>
+        <p:txBody>
+          <a:bodyPr/>
+          <a:lstStyle/>
+          <a:p>
+            <a:endParaRPr lang="zh-CN" altLang="en-US" dirty="0"/>
+          </a:p>
+        </p:txBody>
+      </p:sp>
+      <p:sp>
+        <p:nvSpPr>
+          <p:cNvPr id="4" name="灯片编号占位符 3"/>
+          <p:cNvSpPr>
+            <a:spLocks noGrp="1"/>
+          </p:cNvSpPr>
+          <p:nvPr>
+            <p:ph type="sldNum" sz="quarter" idx="10"/>
+          </p:nvPr>
+        </p:nvSpPr>
+        <p:spPr/>
+        <p:txBody>
+          <a:bodyPr/>
+          <a:lstStyle/>
+          <a:p>
+            <a:fld id="{026A6F30-36D4-4004-9928-42C5ACC59592}" type="slidenum">
+              <a:rPr lang="zh-CN" altLang="en-US" smtClean="0"/>
               <a:t>25</a:t>
             </a:fld>
             <a:endParaRPr lang="zh-CN" altLang="en-US"/>
@@ -6056,6 +6210,90 @@
     <p:extLst>
       <p:ext uri="{BB962C8B-B14F-4D97-AF65-F5344CB8AC3E}">
         <p14:creationId xmlns:p14="http://schemas.microsoft.com/office/powerpoint/2010/main" val="199071639"/>
+      </p:ext>
+    </p:extLst>
+  </p:cSld>
+  <p:clrMapOvr>
+    <a:masterClrMapping/>
+  </p:clrMapOvr>
+</p:notes>
+</file>
+
+<file path=ppt/notesSlides/notesSlide24.xml><?xml version="1.0" encoding="utf-8"?>
+<p:notes xmlns:a="http://schemas.openxmlformats.org/drawingml/2006/main" xmlns:r="http://schemas.openxmlformats.org/officeDocument/2006/relationships" xmlns:p="http://schemas.openxmlformats.org/presentationml/2006/main">
+  <p:cSld>
+    <p:spTree>
+      <p:nvGrpSpPr>
+        <p:cNvPr id="1" name=""/>
+        <p:cNvGrpSpPr/>
+        <p:nvPr/>
+      </p:nvGrpSpPr>
+      <p:grpSpPr>
+        <a:xfrm>
+          <a:off x="0" y="0"/>
+          <a:ext cx="0" cy="0"/>
+          <a:chOff x="0" y="0"/>
+          <a:chExt cx="0" cy="0"/>
+        </a:xfrm>
+      </p:grpSpPr>
+      <p:sp>
+        <p:nvSpPr>
+          <p:cNvPr id="2" name="幻灯片图像占位符 1"/>
+          <p:cNvSpPr>
+            <a:spLocks noGrp="1" noRot="1" noChangeAspect="1"/>
+          </p:cNvSpPr>
+          <p:nvPr>
+            <p:ph type="sldImg"/>
+          </p:nvPr>
+        </p:nvSpPr>
+        <p:spPr/>
+      </p:sp>
+      <p:sp>
+        <p:nvSpPr>
+          <p:cNvPr id="3" name="备注占位符 2"/>
+          <p:cNvSpPr>
+            <a:spLocks noGrp="1"/>
+          </p:cNvSpPr>
+          <p:nvPr>
+            <p:ph type="body" idx="1"/>
+          </p:nvPr>
+        </p:nvSpPr>
+        <p:spPr/>
+        <p:txBody>
+          <a:bodyPr/>
+          <a:lstStyle/>
+          <a:p>
+            <a:endParaRPr lang="zh-CN" altLang="en-US" dirty="0"/>
+          </a:p>
+        </p:txBody>
+      </p:sp>
+      <p:sp>
+        <p:nvSpPr>
+          <p:cNvPr id="4" name="灯片编号占位符 3"/>
+          <p:cNvSpPr>
+            <a:spLocks noGrp="1"/>
+          </p:cNvSpPr>
+          <p:nvPr>
+            <p:ph type="sldNum" sz="quarter" idx="10"/>
+          </p:nvPr>
+        </p:nvSpPr>
+        <p:spPr/>
+        <p:txBody>
+          <a:bodyPr/>
+          <a:lstStyle/>
+          <a:p>
+            <a:fld id="{026A6F30-36D4-4004-9928-42C5ACC59592}" type="slidenum">
+              <a:rPr lang="zh-CN" altLang="en-US" smtClean="0"/>
+              <a:t>27</a:t>
+            </a:fld>
+            <a:endParaRPr lang="zh-CN" altLang="en-US"/>
+          </a:p>
+        </p:txBody>
+      </p:sp>
+    </p:spTree>
+    <p:extLst>
+      <p:ext uri="{BB962C8B-B14F-4D97-AF65-F5344CB8AC3E}">
+        <p14:creationId xmlns:p14="http://schemas.microsoft.com/office/powerpoint/2010/main" val="436526332"/>
       </p:ext>
     </p:extLst>
   </p:cSld>
@@ -6942,7 +7180,7 @@
           <a:p>
             <a:fld id="{397AD0FE-BA0D-4533-8BFC-BCE0E8667111}" type="datetimeFigureOut">
               <a:rPr lang="zh-CN" altLang="en-US" smtClean="0"/>
-              <a:t>2019/4/30</a:t>
+              <a:t>2019/5/2</a:t>
             </a:fld>
             <a:endParaRPr lang="zh-CN" altLang="en-US"/>
           </a:p>
@@ -7112,7 +7350,7 @@
           <a:p>
             <a:fld id="{397AD0FE-BA0D-4533-8BFC-BCE0E8667111}" type="datetimeFigureOut">
               <a:rPr lang="zh-CN" altLang="en-US" smtClean="0"/>
-              <a:t>2019/4/30</a:t>
+              <a:t>2019/5/2</a:t>
             </a:fld>
             <a:endParaRPr lang="zh-CN" altLang="en-US"/>
           </a:p>
@@ -7292,7 +7530,7 @@
           <a:p>
             <a:fld id="{397AD0FE-BA0D-4533-8BFC-BCE0E8667111}" type="datetimeFigureOut">
               <a:rPr lang="zh-CN" altLang="en-US" smtClean="0"/>
-              <a:t>2019/4/30</a:t>
+              <a:t>2019/5/2</a:t>
             </a:fld>
             <a:endParaRPr lang="zh-CN" altLang="en-US"/>
           </a:p>
@@ -7462,7 +7700,7 @@
           <a:p>
             <a:fld id="{397AD0FE-BA0D-4533-8BFC-BCE0E8667111}" type="datetimeFigureOut">
               <a:rPr lang="zh-CN" altLang="en-US" smtClean="0"/>
-              <a:t>2019/4/30</a:t>
+              <a:t>2019/5/2</a:t>
             </a:fld>
             <a:endParaRPr lang="zh-CN" altLang="en-US"/>
           </a:p>
@@ -7708,7 +7946,7 @@
           <a:p>
             <a:fld id="{397AD0FE-BA0D-4533-8BFC-BCE0E8667111}" type="datetimeFigureOut">
               <a:rPr lang="zh-CN" altLang="en-US" smtClean="0"/>
-              <a:t>2019/4/30</a:t>
+              <a:t>2019/5/2</a:t>
             </a:fld>
             <a:endParaRPr lang="zh-CN" altLang="en-US"/>
           </a:p>
@@ -7940,7 +8178,7 @@
           <a:p>
             <a:fld id="{397AD0FE-BA0D-4533-8BFC-BCE0E8667111}" type="datetimeFigureOut">
               <a:rPr lang="zh-CN" altLang="en-US" smtClean="0"/>
-              <a:t>2019/4/30</a:t>
+              <a:t>2019/5/2</a:t>
             </a:fld>
             <a:endParaRPr lang="zh-CN" altLang="en-US"/>
           </a:p>
@@ -8307,7 +8545,7 @@
           <a:p>
             <a:fld id="{397AD0FE-BA0D-4533-8BFC-BCE0E8667111}" type="datetimeFigureOut">
               <a:rPr lang="zh-CN" altLang="en-US" smtClean="0"/>
-              <a:t>2019/4/30</a:t>
+              <a:t>2019/5/2</a:t>
             </a:fld>
             <a:endParaRPr lang="zh-CN" altLang="en-US"/>
           </a:p>
@@ -8425,7 +8663,7 @@
           <a:p>
             <a:fld id="{397AD0FE-BA0D-4533-8BFC-BCE0E8667111}" type="datetimeFigureOut">
               <a:rPr lang="zh-CN" altLang="en-US" smtClean="0"/>
-              <a:t>2019/4/30</a:t>
+              <a:t>2019/5/2</a:t>
             </a:fld>
             <a:endParaRPr lang="zh-CN" altLang="en-US"/>
           </a:p>
@@ -8520,7 +8758,7 @@
           <a:p>
             <a:fld id="{397AD0FE-BA0D-4533-8BFC-BCE0E8667111}" type="datetimeFigureOut">
               <a:rPr lang="zh-CN" altLang="en-US" smtClean="0"/>
-              <a:t>2019/4/30</a:t>
+              <a:t>2019/5/2</a:t>
             </a:fld>
             <a:endParaRPr lang="zh-CN" altLang="en-US"/>
           </a:p>
@@ -8797,7 +9035,7 @@
           <a:p>
             <a:fld id="{397AD0FE-BA0D-4533-8BFC-BCE0E8667111}" type="datetimeFigureOut">
               <a:rPr lang="zh-CN" altLang="en-US" smtClean="0"/>
-              <a:t>2019/4/30</a:t>
+              <a:t>2019/5/2</a:t>
             </a:fld>
             <a:endParaRPr lang="zh-CN" altLang="en-US"/>
           </a:p>
@@ -9050,7 +9288,7 @@
           <a:p>
             <a:fld id="{397AD0FE-BA0D-4533-8BFC-BCE0E8667111}" type="datetimeFigureOut">
               <a:rPr lang="zh-CN" altLang="en-US" smtClean="0"/>
-              <a:t>2019/4/30</a:t>
+              <a:t>2019/5/2</a:t>
             </a:fld>
             <a:endParaRPr lang="zh-CN" altLang="en-US"/>
           </a:p>
@@ -9263,7 +9501,7 @@
           <a:p>
             <a:fld id="{397AD0FE-BA0D-4533-8BFC-BCE0E8667111}" type="datetimeFigureOut">
               <a:rPr lang="zh-CN" altLang="en-US" smtClean="0"/>
-              <a:t>2019/4/30</a:t>
+              <a:t>2019/5/2</a:t>
             </a:fld>
             <a:endParaRPr lang="zh-CN" altLang="en-US"/>
           </a:p>
@@ -9880,10 +10118,6 @@
               </a:rPr>
               <a:t>could get tax deduction status. But the evaluation mechanisms are very different in different province. </a:t>
             </a:r>
-            <a:endParaRPr lang="en-US" altLang="zh-CN" dirty="0">
-              <a:latin typeface="Times New Roman" panose="02020603050405020304" pitchFamily="18" charset="0"/>
-              <a:cs typeface="Times New Roman" panose="02020603050405020304" pitchFamily="18" charset="0"/>
-            </a:endParaRPr>
           </a:p>
           <a:p>
             <a:r>
@@ -9891,35 +10125,21 @@
                 <a:latin typeface="Times New Roman" panose="02020603050405020304" pitchFamily="18" charset="0"/>
                 <a:cs typeface="Times New Roman" panose="02020603050405020304" pitchFamily="18" charset="0"/>
               </a:rPr>
-              <a:t>Foundations in China are very different from the US’s. More than 80% foundations in China conduct programs by themselves instead of supporting other NPOs. </a:t>
+              <a:t>Foundations in China are very different from the US’s. More than 80% foundations in China conduct programs by themselves instead of supporting other NPOs. As a result, </a:t>
+            </a:r>
+            <a:r>
+              <a:rPr lang="en-US" altLang="zh-CN" dirty="0" smtClean="0">
+                <a:latin typeface="Times New Roman" panose="02020603050405020304" pitchFamily="18" charset="0"/>
+                <a:cs typeface="Times New Roman" panose="02020603050405020304" pitchFamily="18" charset="0"/>
+              </a:rPr>
+              <a:t>evaluators pay </a:t>
             </a:r>
             <a:r>
               <a:rPr lang="en-US" altLang="zh-CN" dirty="0">
                 <a:latin typeface="Times New Roman" panose="02020603050405020304" pitchFamily="18" charset="0"/>
                 <a:cs typeface="Times New Roman" panose="02020603050405020304" pitchFamily="18" charset="0"/>
               </a:rPr>
-              <a:t>As a result, </a:t>
-            </a:r>
-            <a:r>
-              <a:rPr lang="en-US" altLang="zh-CN" dirty="0" smtClean="0">
-                <a:latin typeface="Times New Roman" panose="02020603050405020304" pitchFamily="18" charset="0"/>
-                <a:cs typeface="Times New Roman" panose="02020603050405020304" pitchFamily="18" charset="0"/>
-              </a:rPr>
-              <a:t>evaluators pay </a:t>
-            </a:r>
-            <a:r>
-              <a:rPr lang="en-US" altLang="zh-CN" dirty="0">
-                <a:latin typeface="Times New Roman" panose="02020603050405020304" pitchFamily="18" charset="0"/>
-                <a:cs typeface="Times New Roman" panose="02020603050405020304" pitchFamily="18" charset="0"/>
-              </a:rPr>
-              <a:t>more attention on their </a:t>
-            </a:r>
-            <a:r>
-              <a:rPr lang="en-US" altLang="zh-CN" dirty="0">
-                <a:latin typeface="Times New Roman" panose="02020603050405020304" pitchFamily="18" charset="0"/>
-                <a:cs typeface="Times New Roman" panose="02020603050405020304" pitchFamily="18" charset="0"/>
-              </a:rPr>
-              <a:t>program’s effectiveness, not just financial efficiency. </a:t>
+              <a:t>more attention on their program’s effectiveness, not just financial efficiency. </a:t>
             </a:r>
             <a:endParaRPr lang="en-US" altLang="zh-CN" dirty="0" smtClean="0">
               <a:latin typeface="Times New Roman" panose="02020603050405020304" pitchFamily="18" charset="0"/>
@@ -10028,21 +10248,7 @@
                 <a:latin typeface="Times New Roman" panose="02020603050405020304" pitchFamily="18" charset="0"/>
                 <a:cs typeface="Times New Roman" panose="02020603050405020304" pitchFamily="18" charset="0"/>
               </a:rPr>
-              <a:t>the time between each organization’s year of founding and the year of </a:t>
-            </a:r>
-            <a:r>
-              <a:rPr lang="en-US" altLang="zh-CN" dirty="0" smtClean="0">
-                <a:latin typeface="Times New Roman" panose="02020603050405020304" pitchFamily="18" charset="0"/>
-                <a:cs typeface="Times New Roman" panose="02020603050405020304" pitchFamily="18" charset="0"/>
-              </a:rPr>
-              <a:t>o</a:t>
-            </a:r>
-            <a:r>
-              <a:rPr lang="en-US" altLang="zh-CN" dirty="0" smtClean="0">
-                <a:latin typeface="Times New Roman" panose="02020603050405020304" pitchFamily="18" charset="0"/>
-                <a:cs typeface="Times New Roman" panose="02020603050405020304" pitchFamily="18" charset="0"/>
-              </a:rPr>
-              <a:t>bservation</a:t>
+              <a:t>the time between each organization’s year of founding and the year of observation</a:t>
             </a:r>
           </a:p>
           <a:p>
@@ -13052,8 +13258,8 @@
           </a:p>
         </p:txBody>
       </p:sp>
-      <mc:AlternateContent xmlns:mc="http://schemas.openxmlformats.org/markup-compatibility/2006">
-        <mc:Choice xmlns:a14="http://schemas.microsoft.com/office/drawing/2010/main" Requires="a14">
+      <mc:AlternateContent xmlns:mc="http://schemas.openxmlformats.org/markup-compatibility/2006" xmlns:a14="http://schemas.microsoft.com/office/drawing/2010/main">
+        <mc:Choice Requires="a14">
           <p:sp>
             <p:nvSpPr>
               <p:cNvPr id="3" name="内容占位符 2"/>
@@ -13152,7 +13358,9 @@
                 <a14:m>
                   <m:oMath xmlns:m="http://schemas.openxmlformats.org/officeDocument/2006/math">
                     <m:r>
-                      <a:rPr lang="en-US" altLang="zh-CN" i="1"/>
+                      <a:rPr lang="en-US" altLang="zh-CN" i="1">
+                        <a:latin typeface="Cambria Math" panose="02040503050406030204" pitchFamily="18" charset="0"/>
+                      </a:rPr>
                       <m:t>𝛼</m:t>
                     </m:r>
                   </m:oMath>
@@ -13174,7 +13382,9 @@
                 <a14:m>
                   <m:oMath xmlns:m="http://schemas.openxmlformats.org/officeDocument/2006/math">
                     <m:r>
-                      <a:rPr lang="en-US" altLang="zh-CN" i="1"/>
+                      <a:rPr lang="en-US" altLang="zh-CN" i="1">
+                        <a:latin typeface="Cambria Math" panose="02040503050406030204" pitchFamily="18" charset="0"/>
+                      </a:rPr>
                       <m:t>𝛽</m:t>
                     </m:r>
                   </m:oMath>
@@ -13210,7 +13420,9 @@
                 <a14:m>
                   <m:oMath xmlns:m="http://schemas.openxmlformats.org/officeDocument/2006/math">
                     <m:r>
-                      <a:rPr lang="en-US" altLang="zh-CN" i="1"/>
+                      <a:rPr lang="en-US" altLang="zh-CN" i="1">
+                        <a:latin typeface="Cambria Math" panose="02040503050406030204" pitchFamily="18" charset="0"/>
+                      </a:rPr>
                       <m:t>𝜀</m:t>
                     </m:r>
                   </m:oMath>
@@ -13288,7 +13500,9 @@
                 <a14:m>
                   <m:oMath xmlns:m="http://schemas.openxmlformats.org/officeDocument/2006/math">
                     <m:r>
-                      <a:rPr lang="en-US" altLang="zh-CN" i="1"/>
+                      <a:rPr lang="en-US" altLang="zh-CN" i="1">
+                        <a:latin typeface="Cambria Math" panose="02040503050406030204" pitchFamily="18" charset="0"/>
+                      </a:rPr>
                       <m:t>𝛼</m:t>
                     </m:r>
                   </m:oMath>
@@ -13310,7 +13524,9 @@
                 <a14:m>
                   <m:oMath xmlns:m="http://schemas.openxmlformats.org/officeDocument/2006/math">
                     <m:r>
-                      <a:rPr lang="en-US" altLang="zh-CN" i="1"/>
+                      <a:rPr lang="en-US" altLang="zh-CN" i="1">
+                        <a:latin typeface="Cambria Math" panose="02040503050406030204" pitchFamily="18" charset="0"/>
+                      </a:rPr>
                       <m:t>𝛽</m:t>
                     </m:r>
                   </m:oMath>
@@ -13339,7 +13555,9 @@
                 <a14:m>
                   <m:oMath xmlns:m="http://schemas.openxmlformats.org/officeDocument/2006/math">
                     <m:r>
-                      <a:rPr lang="en-US" altLang="zh-CN" i="1"/>
+                      <a:rPr lang="en-US" altLang="zh-CN" i="1">
+                        <a:latin typeface="Cambria Math" panose="02040503050406030204" pitchFamily="18" charset="0"/>
+                      </a:rPr>
                       <m:t>𝛾</m:t>
                     </m:r>
                   </m:oMath>
@@ -13368,7 +13586,9 @@
                 <a14:m>
                   <m:oMath xmlns:m="http://schemas.openxmlformats.org/officeDocument/2006/math">
                     <m:r>
-                      <a:rPr lang="en-US" altLang="zh-CN" i="1"/>
+                      <a:rPr lang="en-US" altLang="zh-CN" i="1">
+                        <a:latin typeface="Cambria Math" panose="02040503050406030204" pitchFamily="18" charset="0"/>
+                      </a:rPr>
                       <m:t>𝜀</m:t>
                     </m:r>
                   </m:oMath>
@@ -13439,7 +13659,9 @@
                 <a14:m>
                   <m:oMath xmlns:m="http://schemas.openxmlformats.org/officeDocument/2006/math">
                     <m:r>
-                      <a:rPr lang="en-US" altLang="zh-CN" i="1"/>
+                      <a:rPr lang="en-US" altLang="zh-CN" i="1">
+                        <a:latin typeface="Cambria Math" panose="02040503050406030204" pitchFamily="18" charset="0"/>
+                      </a:rPr>
                       <m:t>𝛼</m:t>
                     </m:r>
                   </m:oMath>
@@ -13461,7 +13683,9 @@
                 <a14:m>
                   <m:oMath xmlns:m="http://schemas.openxmlformats.org/officeDocument/2006/math">
                     <m:r>
-                      <a:rPr lang="en-US" altLang="zh-CN" i="1"/>
+                      <a:rPr lang="en-US" altLang="zh-CN" i="1">
+                        <a:latin typeface="Cambria Math" panose="02040503050406030204" pitchFamily="18" charset="0"/>
+                      </a:rPr>
                       <m:t>𝛽</m:t>
                     </m:r>
                   </m:oMath>
@@ -13490,7 +13714,9 @@
                 <a14:m>
                   <m:oMath xmlns:m="http://schemas.openxmlformats.org/officeDocument/2006/math">
                     <m:r>
-                      <a:rPr lang="en-US" altLang="zh-CN" i="1"/>
+                      <a:rPr lang="en-US" altLang="zh-CN" i="1">
+                        <a:latin typeface="Cambria Math" panose="02040503050406030204" pitchFamily="18" charset="0"/>
+                      </a:rPr>
                       <m:t>𝛾</m:t>
                     </m:r>
                   </m:oMath>
@@ -13526,7 +13752,9 @@
                 <a14:m>
                   <m:oMath xmlns:m="http://schemas.openxmlformats.org/officeDocument/2006/math">
                     <m:r>
-                      <a:rPr lang="en-US" altLang="zh-CN" i="1"/>
+                      <a:rPr lang="en-US" altLang="zh-CN" i="1">
+                        <a:latin typeface="Cambria Math" panose="02040503050406030204" pitchFamily="18" charset="0"/>
+                      </a:rPr>
                       <m:t>𝜀</m:t>
                     </m:r>
                   </m:oMath>
@@ -13597,7 +13825,9 @@
                 <a14:m>
                   <m:oMath xmlns:m="http://schemas.openxmlformats.org/officeDocument/2006/math">
                     <m:r>
-                      <a:rPr lang="en-US" altLang="zh-CN" i="1"/>
+                      <a:rPr lang="en-US" altLang="zh-CN" i="1">
+                        <a:latin typeface="Cambria Math" panose="02040503050406030204" pitchFamily="18" charset="0"/>
+                      </a:rPr>
                       <m:t>𝛼</m:t>
                     </m:r>
                   </m:oMath>
@@ -13619,7 +13849,9 @@
                 <a14:m>
                   <m:oMath xmlns:m="http://schemas.openxmlformats.org/officeDocument/2006/math">
                     <m:r>
-                      <a:rPr lang="en-US" altLang="zh-CN" i="1"/>
+                      <a:rPr lang="en-US" altLang="zh-CN" i="1">
+                        <a:latin typeface="Cambria Math" panose="02040503050406030204" pitchFamily="18" charset="0"/>
+                      </a:rPr>
                       <m:t>𝛽</m:t>
                     </m:r>
                   </m:oMath>
@@ -13648,7 +13880,9 @@
                 <a14:m>
                   <m:oMath xmlns:m="http://schemas.openxmlformats.org/officeDocument/2006/math">
                     <m:r>
-                      <a:rPr lang="en-US" altLang="zh-CN" i="1"/>
+                      <a:rPr lang="en-US" altLang="zh-CN" i="1">
+                        <a:latin typeface="Cambria Math" panose="02040503050406030204" pitchFamily="18" charset="0"/>
+                      </a:rPr>
                       <m:t>𝛾</m:t>
                     </m:r>
                   </m:oMath>
@@ -13677,7 +13911,9 @@
                 <a14:m>
                   <m:oMath xmlns:m="http://schemas.openxmlformats.org/officeDocument/2006/math">
                     <m:r>
-                      <a:rPr lang="en-US" altLang="zh-CN" i="1"/>
+                      <a:rPr lang="en-US" altLang="zh-CN" i="1">
+                        <a:latin typeface="Cambria Math" panose="02040503050406030204" pitchFamily="18" charset="0"/>
+                      </a:rPr>
                       <m:t>𝛿</m:t>
                     </m:r>
                   </m:oMath>
@@ -13706,7 +13942,9 @@
                 <a14:m>
                   <m:oMath xmlns:m="http://schemas.openxmlformats.org/officeDocument/2006/math">
                     <m:r>
-                      <a:rPr lang="en-US" altLang="zh-CN" i="1"/>
+                      <a:rPr lang="en-US" altLang="zh-CN" i="1">
+                        <a:latin typeface="Cambria Math" panose="02040503050406030204" pitchFamily="18" charset="0"/>
+                      </a:rPr>
                       <m:t>𝜀</m:t>
                     </m:r>
                   </m:oMath>
@@ -13729,7 +13967,7 @@
             </p:txBody>
           </p:sp>
         </mc:Choice>
-        <mc:Fallback>
+        <mc:Fallback xmlns="">
           <p:sp>
             <p:nvSpPr>
               <p:cNvPr id="3" name="内容占位符 2"/>
@@ -14236,10 +14474,6 @@
               </a:rPr>
               <a:t>Two clients in nonprofit sector.</a:t>
             </a:r>
-            <a:endParaRPr lang="en-US" altLang="zh-CN" dirty="0" smtClean="0">
-              <a:latin typeface="Times New Roman" panose="02020603050405020304" pitchFamily="18" charset="0"/>
-              <a:cs typeface="Times New Roman" panose="02020603050405020304" pitchFamily="18" charset="0"/>
-            </a:endParaRPr>
           </a:p>
           <a:p>
             <a:r>
@@ -15867,7 +16101,7 @@
       </p:sp>
       <p:pic>
         <p:nvPicPr>
-          <p:cNvPr id="4" name="内容占位符 3"/>
+          <p:cNvPr id="5" name="内容占位符 4"/>
           <p:cNvPicPr>
             <a:picLocks noGrp="1" noChangeAspect="1"/>
           </p:cNvPicPr>
@@ -15876,7 +16110,7 @@
           </p:nvPr>
         </p:nvPicPr>
         <p:blipFill>
-          <a:blip r:embed="rId2">
+          <a:blip r:embed="rId3">
             <a:extLst>
               <a:ext uri="{28A0092B-C50C-407E-A947-70E740481C1C}">
                 <a14:useLocalDpi xmlns:a14="http://schemas.microsoft.com/office/drawing/2010/main" val="0"/>
@@ -15889,8 +16123,8 @@
         </p:blipFill>
         <p:spPr>
           <a:xfrm>
-            <a:off x="1044012" y="1690688"/>
-            <a:ext cx="9756772" cy="4517545"/>
+            <a:off x="1297509" y="1599289"/>
+            <a:ext cx="9397806" cy="4351338"/>
           </a:xfrm>
         </p:spPr>
       </p:pic>
@@ -15948,11 +16182,7 @@
           <a:p>
             <a:r>
               <a:rPr lang="en-US" altLang="zh-CN" b="1" dirty="0" smtClean="0"/>
-              <a:t>Data </a:t>
-            </a:r>
-            <a:r>
-              <a:rPr lang="en-US" altLang="zh-CN" b="1" dirty="0" smtClean="0"/>
-              <a:t>Management Plan</a:t>
+              <a:t>Data Management Plan</a:t>
             </a:r>
             <a:endParaRPr lang="zh-CN" altLang="en-US" b="1" dirty="0"/>
           </a:p>
@@ -16051,10 +16281,6 @@
               </a:rPr>
               <a:t>Analysis</a:t>
             </a:r>
-            <a:endParaRPr lang="en-US" altLang="zh-CN" dirty="0" smtClean="0">
-              <a:latin typeface="Times New Roman" panose="02020603050405020304" pitchFamily="18" charset="0"/>
-              <a:cs typeface="Times New Roman" panose="02020603050405020304" pitchFamily="18" charset="0"/>
-            </a:endParaRPr>
           </a:p>
           <a:p>
             <a:pPr lvl="2"/>
@@ -16295,10 +16521,6 @@
               </a:rPr>
               <a:t>”).</a:t>
             </a:r>
-            <a:endParaRPr lang="en-US" altLang="zh-CN" dirty="0">
-              <a:latin typeface="Times New Roman" panose="02020603050405020304" pitchFamily="18" charset="0"/>
-              <a:cs typeface="Times New Roman" panose="02020603050405020304" pitchFamily="18" charset="0"/>
-            </a:endParaRPr>
           </a:p>
           <a:p>
             <a:r>
@@ -16356,14 +16578,7 @@
                 <a:latin typeface="Times New Roman" panose="02020603050405020304" pitchFamily="18" charset="0"/>
                 <a:cs typeface="Times New Roman" panose="02020603050405020304" pitchFamily="18" charset="0"/>
               </a:rPr>
-              <a:t>I </a:t>
-            </a:r>
-            <a:r>
-              <a:rPr lang="en-US" altLang="zh-CN" dirty="0">
-                <a:latin typeface="Times New Roman" panose="02020603050405020304" pitchFamily="18" charset="0"/>
-                <a:cs typeface="Times New Roman" panose="02020603050405020304" pitchFamily="18" charset="0"/>
-              </a:rPr>
-              <a:t>use </a:t>
+              <a:t>I use </a:t>
             </a:r>
             <a:r>
               <a:rPr lang="en-US" altLang="zh-CN" dirty="0" err="1">
@@ -16832,49 +17047,7 @@
                 <a:latin typeface="Times New Roman" panose="02020603050405020304" pitchFamily="18" charset="0"/>
                 <a:cs typeface="Times New Roman" panose="02020603050405020304" pitchFamily="18" charset="0"/>
               </a:rPr>
-              <a:t>“Embedded Control</a:t>
-            </a:r>
-            <a:r>
-              <a:rPr lang="en-US" altLang="zh-CN" dirty="0">
-                <a:latin typeface="Times New Roman" panose="02020603050405020304" pitchFamily="18" charset="0"/>
-                <a:cs typeface="Times New Roman" panose="02020603050405020304" pitchFamily="18" charset="0"/>
-              </a:rPr>
-              <a:t>”/ “Indirect Control”(</a:t>
-            </a:r>
-            <a:r>
-              <a:rPr lang="en-US" altLang="zh-CN" dirty="0">
-                <a:latin typeface="Times New Roman" panose="02020603050405020304" pitchFamily="18" charset="0"/>
-                <a:cs typeface="Times New Roman" panose="02020603050405020304" pitchFamily="18" charset="0"/>
-              </a:rPr>
-              <a:t>Ni &amp; Zhan, </a:t>
-            </a:r>
-            <a:r>
-              <a:rPr lang="en-US" altLang="zh-CN" dirty="0">
-                <a:latin typeface="Times New Roman" panose="02020603050405020304" pitchFamily="18" charset="0"/>
-                <a:cs typeface="Times New Roman" panose="02020603050405020304" pitchFamily="18" charset="0"/>
-              </a:rPr>
-              <a:t>2017;</a:t>
-            </a:r>
-            <a:r>
-              <a:rPr lang="en-US" altLang="zh-CN" dirty="0">
-                <a:latin typeface="Times New Roman" panose="02020603050405020304" pitchFamily="18" charset="0"/>
-                <a:cs typeface="Times New Roman" panose="02020603050405020304" pitchFamily="18" charset="0"/>
-              </a:rPr>
-              <a:t> </a:t>
-            </a:r>
-            <a:r>
-              <a:rPr lang="en-US" altLang="zh-CN" dirty="0">
-                <a:latin typeface="Times New Roman" panose="02020603050405020304" pitchFamily="18" charset="0"/>
-                <a:cs typeface="Times New Roman" panose="02020603050405020304" pitchFamily="18" charset="0"/>
-              </a:rPr>
-              <a:t>Wei</a:t>
-            </a:r>
-            <a:r>
-              <a:rPr lang="en-US" altLang="zh-CN" dirty="0">
-                <a:latin typeface="Times New Roman" panose="02020603050405020304" pitchFamily="18" charset="0"/>
-                <a:cs typeface="Times New Roman" panose="02020603050405020304" pitchFamily="18" charset="0"/>
-              </a:rPr>
-              <a:t>, </a:t>
+              <a:t>“Embedded Control”/ “Indirect Control”(Ni &amp; Zhan, 2017; Wei, </a:t>
             </a:r>
             <a:r>
               <a:rPr lang="en-US" altLang="zh-CN" dirty="0" smtClean="0">
@@ -17187,42 +17360,21 @@
                 <a:latin typeface="Times New Roman" panose="02020603050405020304" pitchFamily="18" charset="0"/>
                 <a:cs typeface="Times New Roman" panose="02020603050405020304" pitchFamily="18" charset="0"/>
               </a:rPr>
-              <a:t>is an important management approach for achieving </a:t>
+              <a:t>is an important management approach for achieving mission(As </a:t>
+            </a:r>
+            <a:r>
+              <a:rPr lang="en-US" altLang="zh-CN" dirty="0" err="1">
+                <a:latin typeface="Times New Roman" panose="02020603050405020304" pitchFamily="18" charset="0"/>
+                <a:cs typeface="Times New Roman" panose="02020603050405020304" pitchFamily="18" charset="0"/>
+              </a:rPr>
+              <a:t>Sua´rez</a:t>
             </a:r>
             <a:r>
               <a:rPr lang="en-US" altLang="zh-CN" dirty="0">
                 <a:latin typeface="Times New Roman" panose="02020603050405020304" pitchFamily="18" charset="0"/>
                 <a:cs typeface="Times New Roman" panose="02020603050405020304" pitchFamily="18" charset="0"/>
               </a:rPr>
-              <a:t>mission(As </a:t>
-            </a:r>
-            <a:r>
-              <a:rPr lang="en-US" altLang="zh-CN" dirty="0" err="1">
-                <a:latin typeface="Times New Roman" panose="02020603050405020304" pitchFamily="18" charset="0"/>
-                <a:cs typeface="Times New Roman" panose="02020603050405020304" pitchFamily="18" charset="0"/>
-              </a:rPr>
-              <a:t>Sua´rez</a:t>
-            </a:r>
-            <a:r>
-              <a:rPr lang="en-US" altLang="zh-CN" dirty="0">
-                <a:latin typeface="Times New Roman" panose="02020603050405020304" pitchFamily="18" charset="0"/>
-                <a:cs typeface="Times New Roman" panose="02020603050405020304" pitchFamily="18" charset="0"/>
-              </a:rPr>
-              <a:t> </a:t>
-            </a:r>
-            <a:r>
-              <a:rPr lang="en-US" altLang="zh-CN" dirty="0">
-                <a:latin typeface="Times New Roman" panose="02020603050405020304" pitchFamily="18" charset="0"/>
-                <a:cs typeface="Times New Roman" panose="02020603050405020304" pitchFamily="18" charset="0"/>
-              </a:rPr>
-              <a:t>,2011</a:t>
-            </a:r>
-            <a:r>
-              <a:rPr lang="en-US" altLang="zh-CN" dirty="0">
-                <a:latin typeface="Times New Roman" panose="02020603050405020304" pitchFamily="18" charset="0"/>
-                <a:cs typeface="Times New Roman" panose="02020603050405020304" pitchFamily="18" charset="0"/>
-              </a:rPr>
-              <a:t>: 321) </a:t>
+              <a:t> ,2011: 321) </a:t>
             </a:r>
             <a:r>
               <a:rPr lang="en-US" altLang="zh-CN" dirty="0" smtClean="0">
@@ -17412,14 +17564,7 @@
                 <a:latin typeface="Times New Roman" panose="02020603050405020304" pitchFamily="18" charset="0"/>
                 <a:cs typeface="Times New Roman" panose="02020603050405020304" pitchFamily="18" charset="0"/>
               </a:rPr>
-              <a:t>3. </a:t>
-            </a:r>
-            <a:r>
-              <a:rPr lang="en-US" altLang="zh-CN" sz="2800" dirty="0">
-                <a:latin typeface="Times New Roman" panose="02020603050405020304" pitchFamily="18" charset="0"/>
-                <a:cs typeface="Times New Roman" panose="02020603050405020304" pitchFamily="18" charset="0"/>
-              </a:rPr>
-              <a:t>Which aspect of </a:t>
+              <a:t>3. Which aspect of </a:t>
             </a:r>
             <a:r>
               <a:rPr lang="en-US" altLang="zh-CN" sz="2800" dirty="0" smtClean="0">
